--- a/Documentation/SYSADD2/Asset Management with Barcode Tagging System(SYSADD2).pptx
+++ b/Documentation/SYSADD2/Asset Management with Barcode Tagging System(SYSADD2).pptx
@@ -5,10 +5,10 @@
     <p:sldMasterId id="2147483696" r:id="rId2"/>
   </p:sldMasterIdLst>
   <p:notesMasterIdLst>
-    <p:notesMasterId r:id="rId25"/>
+    <p:notesMasterId r:id="rId14"/>
   </p:notesMasterIdLst>
   <p:handoutMasterIdLst>
-    <p:handoutMasterId r:id="rId26"/>
+    <p:handoutMasterId r:id="rId15"/>
   </p:handoutMasterIdLst>
   <p:sldIdLst>
     <p:sldId id="259" r:id="rId3"/>
@@ -18,21 +18,10 @@
     <p:sldId id="263" r:id="rId7"/>
     <p:sldId id="265" r:id="rId8"/>
     <p:sldId id="266" r:id="rId9"/>
-    <p:sldId id="267" r:id="rId10"/>
-    <p:sldId id="268" r:id="rId11"/>
+    <p:sldId id="270" r:id="rId10"/>
+    <p:sldId id="267" r:id="rId11"/>
     <p:sldId id="269" r:id="rId12"/>
-    <p:sldId id="270" r:id="rId13"/>
-    <p:sldId id="271" r:id="rId14"/>
-    <p:sldId id="272" r:id="rId15"/>
-    <p:sldId id="273" r:id="rId16"/>
-    <p:sldId id="274" r:id="rId17"/>
-    <p:sldId id="275" r:id="rId18"/>
-    <p:sldId id="276" r:id="rId19"/>
-    <p:sldId id="277" r:id="rId20"/>
-    <p:sldId id="278" r:id="rId21"/>
-    <p:sldId id="279" r:id="rId22"/>
-    <p:sldId id="280" r:id="rId23"/>
-    <p:sldId id="281" r:id="rId24"/>
+    <p:sldId id="268" r:id="rId13"/>
   </p:sldIdLst>
   <p:sldSz cx="12192000" cy="6858000"/>
   <p:notesSz cx="6858000" cy="9144000"/>
@@ -224,7 +213,7 @@
           <a:p>
             <a:fld id="{AC5CF323-270F-40CB-AF7A-2CC26EA6359D}" type="datetimeFigureOut">
               <a:rPr lang="en-US" smtClean="0"/>
-              <a:t>9/1/2016</a:t>
+              <a:t>10/24/2016</a:t>
             </a:fld>
             <a:endParaRPr lang="en-US"/>
           </a:p>
@@ -389,7 +378,7 @@
           <a:p>
             <a:fld id="{29BAAEB5-4261-4237-8ADA-E8D5149DBCDC}" type="datetimeFigureOut">
               <a:rPr lang="en-US" smtClean="0"/>
-              <a:t>9/1/2016</a:t>
+              <a:t>10/24/2016</a:t>
             </a:fld>
             <a:endParaRPr lang="en-US"/>
           </a:p>
@@ -802,7 +791,7 @@
           <a:p>
             <a:fld id="{533BCB2B-1AF8-4FC0-8A17-C0E6D40426BF}" type="datetime1">
               <a:rPr lang="en-US" smtClean="0"/>
-              <a:t>9/1/2016</a:t>
+              <a:t>10/24/2016</a:t>
             </a:fld>
             <a:endParaRPr lang="en-US"/>
           </a:p>
@@ -1033,7 +1022,7 @@
           <a:p>
             <a:fld id="{0D56C92A-CAD7-4B96-8A25-64B92E050815}" type="datetime1">
               <a:rPr lang="en-US" smtClean="0"/>
-              <a:t>9/1/2016</a:t>
+              <a:t>10/24/2016</a:t>
             </a:fld>
             <a:endParaRPr lang="en-US"/>
           </a:p>
@@ -1215,7 +1204,7 @@
           <a:p>
             <a:fld id="{1E134F62-EA7E-4D70-AF22-BD86757D3155}" type="datetime1">
               <a:rPr lang="en-US" smtClean="0"/>
-              <a:t>9/1/2016</a:t>
+              <a:t>10/24/2016</a:t>
             </a:fld>
             <a:endParaRPr lang="en-US"/>
           </a:p>
@@ -1423,7 +1412,7 @@
           <a:p>
             <a:fld id="{AEF53E84-C9AC-42E6-BCCB-90EC2A56B8E3}" type="datetime1">
               <a:rPr lang="en-US" smtClean="0"/>
-              <a:t>9/1/2016</a:t>
+              <a:t>10/24/2016</a:t>
             </a:fld>
             <a:endParaRPr lang="en-US"/>
           </a:p>
@@ -1646,7 +1635,7 @@
           <a:p>
             <a:fld id="{42F3FA8F-E4AE-4BCB-ADE0-9DECA7A16747}" type="datetime1">
               <a:rPr lang="en-US" smtClean="0"/>
-              <a:t>9/1/2016</a:t>
+              <a:t>10/24/2016</a:t>
             </a:fld>
             <a:endParaRPr lang="en-US"/>
           </a:p>
@@ -1884,7 +1873,7 @@
           <a:p>
             <a:fld id="{711EA8D5-A1EF-4995-BB5E-D278733DC501}" type="datetime1">
               <a:rPr lang="en-US" smtClean="0"/>
-              <a:t>9/1/2016</a:t>
+              <a:t>10/24/2016</a:t>
             </a:fld>
             <a:endParaRPr lang="en-US"/>
           </a:p>
@@ -2165,7 +2154,7 @@
           <a:p>
             <a:fld id="{1EA8C313-C41C-438F-9ABA-0F5C940ADB13}" type="datetime1">
               <a:rPr lang="en-US" smtClean="0"/>
-              <a:t>9/1/2016</a:t>
+              <a:t>10/24/2016</a:t>
             </a:fld>
             <a:endParaRPr lang="en-US"/>
           </a:p>
@@ -2602,7 +2591,7 @@
           <a:p>
             <a:fld id="{BCD7CAB1-3B26-4557-B57F-DA3E294B9278}" type="datetime1">
               <a:rPr lang="en-US" smtClean="0"/>
-              <a:t>9/1/2016</a:t>
+              <a:t>10/24/2016</a:t>
             </a:fld>
             <a:endParaRPr lang="en-US"/>
           </a:p>
@@ -2778,7 +2767,7 @@
           <a:p>
             <a:fld id="{42F941E0-B930-4E4F-B101-1077B3800E20}" type="datetime1">
               <a:rPr lang="en-US" smtClean="0"/>
-              <a:t>9/1/2016</a:t>
+              <a:t>10/24/2016</a:t>
             </a:fld>
             <a:endParaRPr lang="en-US"/>
           </a:p>
@@ -2885,7 +2874,7 @@
           <a:p>
             <a:fld id="{B1540AC2-8591-468F-9A21-0A84DF454DEF}" type="datetime1">
               <a:rPr lang="en-US" smtClean="0"/>
-              <a:t>9/1/2016</a:t>
+              <a:t>10/24/2016</a:t>
             </a:fld>
             <a:endParaRPr lang="en-US"/>
           </a:p>
@@ -3151,7 +3140,7 @@
           <a:p>
             <a:fld id="{BECA9968-A8E7-4C22-B7AC-58FCBCCC98E9}" type="datetime1">
               <a:rPr lang="en-US" smtClean="0"/>
-              <a:t>9/1/2016</a:t>
+              <a:t>10/24/2016</a:t>
             </a:fld>
             <a:endParaRPr lang="en-US"/>
           </a:p>
@@ -3442,7 +3431,7 @@
           <a:p>
             <a:fld id="{5739D9E8-B0FF-4E40-8A65-1C1B44D4BA58}" type="datetime1">
               <a:rPr lang="en-US" smtClean="0"/>
-              <a:t>9/1/2016</a:t>
+              <a:t>10/24/2016</a:t>
             </a:fld>
             <a:endParaRPr lang="en-US"/>
           </a:p>
@@ -4188,10 +4177,6 @@
           <a:bodyPr/>
           <a:lstStyle/>
           <a:p>
-            <a:r>
-              <a:rPr lang="en-PH" dirty="0" smtClean="0"/>
-              <a:t>GITHUB</a:t>
-            </a:r>
             <a:endParaRPr lang="en-PH" dirty="0"/>
           </a:p>
         </p:txBody>
@@ -4205,7 +4190,7 @@
           <p:nvPr/>
         </p:nvPicPr>
         <p:blipFill>
-          <a:blip r:embed="rId2">
+          <a:blip r:embed="rId2" cstate="print">
             <a:extLst>
               <a:ext uri="{28A0092B-C50C-407E-A947-70E740481C1C}">
                 <a14:useLocalDpi xmlns:a14="http://schemas.microsoft.com/office/drawing/2010/main" val="0"/>
@@ -4218,8 +4203,8 @@
         </p:blipFill>
         <p:spPr>
           <a:xfrm>
-            <a:off x="609600" y="1888073"/>
-            <a:ext cx="10058400" cy="4244243"/>
+            <a:off x="609599" y="432589"/>
+            <a:ext cx="9526073" cy="5926067"/>
           </a:xfrm>
           <a:prstGeom prst="rect">
             <a:avLst/>
@@ -4229,7 +4214,7 @@
     </p:spTree>
     <p:extLst>
       <p:ext uri="{BB962C8B-B14F-4D97-AF65-F5344CB8AC3E}">
-        <p14:creationId xmlns:p14="http://schemas.microsoft.com/office/powerpoint/2010/main" val="1542741156"/>
+        <p14:creationId xmlns:p14="http://schemas.microsoft.com/office/powerpoint/2010/main" val="830264889"/>
       </p:ext>
     </p:extLst>
   </p:cSld>
@@ -4268,879 +4253,115 @@
           <a:chExt cx="0" cy="0"/>
         </a:xfrm>
       </p:grpSpPr>
-      <p:pic>
-        <p:nvPicPr>
-          <p:cNvPr id="6" name="Picture 5"/>
-          <p:cNvPicPr>
-            <a:picLocks noChangeAspect="1"/>
-          </p:cNvPicPr>
-          <p:nvPr/>
-        </p:nvPicPr>
-        <p:blipFill>
-          <a:blip r:embed="rId2">
-            <a:extLst>
-              <a:ext uri="{28A0092B-C50C-407E-A947-70E740481C1C}">
-                <a14:useLocalDpi xmlns:a14="http://schemas.microsoft.com/office/drawing/2010/main" val="0"/>
-              </a:ext>
-            </a:extLst>
-          </a:blip>
-          <a:stretch>
-            <a:fillRect/>
-          </a:stretch>
-        </p:blipFill>
+      <p:sp>
+        <p:nvSpPr>
+          <p:cNvPr id="2" name="Footer Placeholder 1"/>
+          <p:cNvSpPr>
+            <a:spLocks noGrp="1"/>
+          </p:cNvSpPr>
+          <p:nvPr>
+            <p:ph type="ftr" sz="quarter" idx="11"/>
+          </p:nvPr>
+        </p:nvSpPr>
+        <p:spPr/>
+        <p:txBody>
+          <a:bodyPr/>
+          <a:lstStyle/>
+          <a:p>
+            <a:endParaRPr lang="en-US"/>
+          </a:p>
+        </p:txBody>
+      </p:sp>
+      <p:sp>
+        <p:nvSpPr>
+          <p:cNvPr id="4" name="Content Placeholder 3"/>
+          <p:cNvSpPr>
+            <a:spLocks noGrp="1"/>
+          </p:cNvSpPr>
+          <p:nvPr>
+            <p:ph sz="half" idx="1"/>
+          </p:nvPr>
+        </p:nvSpPr>
         <p:spPr>
           <a:xfrm>
-            <a:off x="748919" y="2137959"/>
-            <a:ext cx="10058400" cy="1996955"/>
+            <a:off x="609600" y="2249425"/>
+            <a:ext cx="11277600" cy="3998975"/>
           </a:xfrm>
-          <a:prstGeom prst="rect">
-            <a:avLst/>
-          </a:prstGeom>
         </p:spPr>
-      </p:pic>
+        <p:txBody>
+          <a:bodyPr>
+            <a:normAutofit/>
+          </a:bodyPr>
+          <a:lstStyle/>
+          <a:p>
+            <a:r>
+              <a:rPr lang="en-PH" sz="3200" dirty="0" smtClean="0"/>
+              <a:t>Unified data base for files</a:t>
+            </a:r>
+          </a:p>
+          <a:p>
+            <a:r>
+              <a:rPr lang="en-PH" sz="3200" dirty="0" smtClean="0"/>
+              <a:t>Scheduling </a:t>
+            </a:r>
+            <a:r>
+              <a:rPr lang="en-PH" sz="3200" dirty="0" smtClean="0"/>
+              <a:t>via calendar</a:t>
+            </a:r>
+          </a:p>
+          <a:p>
+            <a:r>
+              <a:rPr lang="en-PH" sz="3200" dirty="0" smtClean="0"/>
+              <a:t>Notification and Instant </a:t>
+            </a:r>
+            <a:r>
+              <a:rPr lang="en-PH" sz="3200" dirty="0" smtClean="0"/>
+              <a:t>Messaging</a:t>
+            </a:r>
+            <a:endParaRPr lang="en-PH" sz="3200" dirty="0" smtClean="0"/>
+          </a:p>
+        </p:txBody>
+      </p:sp>
+      <p:sp>
+        <p:nvSpPr>
+          <p:cNvPr id="5" name="Title 4"/>
+          <p:cNvSpPr>
+            <a:spLocks noGrp="1"/>
+          </p:cNvSpPr>
+          <p:nvPr>
+            <p:ph type="title"/>
+          </p:nvPr>
+        </p:nvSpPr>
+        <p:spPr/>
+        <p:txBody>
+          <a:bodyPr/>
+          <a:lstStyle/>
+          <a:p>
+            <a:r>
+              <a:rPr lang="en-PH" dirty="0" smtClean="0"/>
+              <a:t>What else to implement</a:t>
+            </a:r>
+            <a:endParaRPr lang="en-PH" dirty="0"/>
+          </a:p>
+        </p:txBody>
+      </p:sp>
     </p:spTree>
     <p:extLst>
       <p:ext uri="{BB962C8B-B14F-4D97-AF65-F5344CB8AC3E}">
-        <p14:creationId xmlns:p14="http://schemas.microsoft.com/office/powerpoint/2010/main" val="3562084105"/>
+        <p14:creationId xmlns:p14="http://schemas.microsoft.com/office/powerpoint/2010/main" val="2008975424"/>
       </p:ext>
     </p:extLst>
   </p:cSld>
   <p:clrMapOvr>
     <a:masterClrMapping/>
   </p:clrMapOvr>
-  <mc:AlternateContent xmlns:mc="http://schemas.openxmlformats.org/markup-compatibility/2006">
-    <mc:Choice xmlns:p14="http://schemas.microsoft.com/office/powerpoint/2010/main" Requires="p14">
+  <mc:AlternateContent xmlns:mc="http://schemas.openxmlformats.org/markup-compatibility/2006" xmlns:p14="http://schemas.microsoft.com/office/powerpoint/2010/main">
+    <mc:Choice Requires="p14">
       <p:transition spd="med" p14:dur="700">
         <p:fade/>
       </p:transition>
     </mc:Choice>
-    <mc:Fallback>
-      <p:transition spd="med">
-        <p:fade/>
-      </p:transition>
-    </mc:Fallback>
-  </mc:AlternateContent>
-  <p:timing>
-    <p:tnLst>
-      <p:par>
-        <p:cTn id="1" dur="indefinite" restart="never" nodeType="tmRoot"/>
-      </p:par>
-    </p:tnLst>
-  </p:timing>
-</p:sld>
-</file>
-
-<file path=ppt/slides/slide12.xml><?xml version="1.0" encoding="utf-8"?>
-<p:sld xmlns:a="http://schemas.openxmlformats.org/drawingml/2006/main" xmlns:r="http://schemas.openxmlformats.org/officeDocument/2006/relationships" xmlns:p="http://schemas.openxmlformats.org/presentationml/2006/main">
-  <p:cSld>
-    <p:spTree>
-      <p:nvGrpSpPr>
-        <p:cNvPr id="1" name=""/>
-        <p:cNvGrpSpPr/>
-        <p:nvPr/>
-      </p:nvGrpSpPr>
-      <p:grpSpPr>
-        <a:xfrm>
-          <a:off x="0" y="0"/>
-          <a:ext cx="0" cy="0"/>
-          <a:chOff x="0" y="0"/>
-          <a:chExt cx="0" cy="0"/>
-        </a:xfrm>
-      </p:grpSpPr>
-      <p:sp>
-        <p:nvSpPr>
-          <p:cNvPr id="2" name="Footer Placeholder 1"/>
-          <p:cNvSpPr>
-            <a:spLocks noGrp="1"/>
-          </p:cNvSpPr>
-          <p:nvPr>
-            <p:ph type="ftr" sz="quarter" idx="11"/>
-          </p:nvPr>
-        </p:nvSpPr>
-        <p:spPr/>
-        <p:txBody>
-          <a:bodyPr/>
-          <a:lstStyle/>
-          <a:p>
-            <a:endParaRPr lang="en-US"/>
-          </a:p>
-        </p:txBody>
-      </p:sp>
-      <p:sp>
-        <p:nvSpPr>
-          <p:cNvPr id="3" name="Content Placeholder 2"/>
-          <p:cNvSpPr>
-            <a:spLocks noGrp="1"/>
-          </p:cNvSpPr>
-          <p:nvPr>
-            <p:ph sz="half" idx="2"/>
-          </p:nvPr>
-        </p:nvSpPr>
-        <p:spPr/>
-        <p:txBody>
-          <a:bodyPr/>
-          <a:lstStyle/>
-          <a:p>
-            <a:endParaRPr lang="en-PH"/>
-          </a:p>
-        </p:txBody>
-      </p:sp>
-      <p:sp>
-        <p:nvSpPr>
-          <p:cNvPr id="4" name="Content Placeholder 3"/>
-          <p:cNvSpPr>
-            <a:spLocks noGrp="1"/>
-          </p:cNvSpPr>
-          <p:nvPr>
-            <p:ph sz="half" idx="1"/>
-          </p:nvPr>
-        </p:nvSpPr>
-        <p:spPr/>
-        <p:txBody>
-          <a:bodyPr/>
-          <a:lstStyle/>
-          <a:p>
-            <a:endParaRPr lang="en-PH" dirty="0"/>
-          </a:p>
-        </p:txBody>
-      </p:sp>
-      <p:sp>
-        <p:nvSpPr>
-          <p:cNvPr id="5" name="Title 4"/>
-          <p:cNvSpPr>
-            <a:spLocks noGrp="1"/>
-          </p:cNvSpPr>
-          <p:nvPr>
-            <p:ph type="title"/>
-          </p:nvPr>
-        </p:nvSpPr>
-        <p:spPr/>
-        <p:txBody>
-          <a:bodyPr/>
-          <a:lstStyle/>
-          <a:p>
-            <a:endParaRPr lang="en-PH"/>
-          </a:p>
-        </p:txBody>
-      </p:sp>
-      <p:pic>
-        <p:nvPicPr>
-          <p:cNvPr id="6" name="Picture 5"/>
-          <p:cNvPicPr>
-            <a:picLocks noChangeAspect="1"/>
-          </p:cNvPicPr>
-          <p:nvPr/>
-        </p:nvPicPr>
-        <p:blipFill>
-          <a:blip r:embed="rId2">
-            <a:extLst>
-              <a:ext uri="{28A0092B-C50C-407E-A947-70E740481C1C}">
-                <a14:useLocalDpi xmlns:a14="http://schemas.microsoft.com/office/drawing/2010/main" val="0"/>
-              </a:ext>
-            </a:extLst>
-          </a:blip>
-          <a:stretch>
-            <a:fillRect/>
-          </a:stretch>
-        </p:blipFill>
-        <p:spPr>
-          <a:xfrm>
-            <a:off x="1168400" y="1127760"/>
-            <a:ext cx="10058400" cy="5120640"/>
-          </a:xfrm>
-          <a:prstGeom prst="rect">
-            <a:avLst/>
-          </a:prstGeom>
-        </p:spPr>
-      </p:pic>
-    </p:spTree>
-    <p:extLst>
-      <p:ext uri="{BB962C8B-B14F-4D97-AF65-F5344CB8AC3E}">
-        <p14:creationId xmlns:p14="http://schemas.microsoft.com/office/powerpoint/2010/main" val="624372034"/>
-      </p:ext>
-    </p:extLst>
-  </p:cSld>
-  <p:clrMapOvr>
-    <a:masterClrMapping/>
-  </p:clrMapOvr>
-  <mc:AlternateContent xmlns:mc="http://schemas.openxmlformats.org/markup-compatibility/2006">
-    <mc:Choice xmlns:p14="http://schemas.microsoft.com/office/powerpoint/2010/main" Requires="p14">
-      <p:transition spd="med" p14:dur="700">
-        <p:fade/>
-      </p:transition>
-    </mc:Choice>
-    <mc:Fallback>
-      <p:transition spd="med">
-        <p:fade/>
-      </p:transition>
-    </mc:Fallback>
-  </mc:AlternateContent>
-  <p:timing>
-    <p:tnLst>
-      <p:par>
-        <p:cTn id="1" dur="indefinite" restart="never" nodeType="tmRoot"/>
-      </p:par>
-    </p:tnLst>
-  </p:timing>
-</p:sld>
-</file>
-
-<file path=ppt/slides/slide13.xml><?xml version="1.0" encoding="utf-8"?>
-<p:sld xmlns:a="http://schemas.openxmlformats.org/drawingml/2006/main" xmlns:r="http://schemas.openxmlformats.org/officeDocument/2006/relationships" xmlns:p="http://schemas.openxmlformats.org/presentationml/2006/main">
-  <p:cSld>
-    <p:spTree>
-      <p:nvGrpSpPr>
-        <p:cNvPr id="1" name=""/>
-        <p:cNvGrpSpPr/>
-        <p:nvPr/>
-      </p:nvGrpSpPr>
-      <p:grpSpPr>
-        <a:xfrm>
-          <a:off x="0" y="0"/>
-          <a:ext cx="0" cy="0"/>
-          <a:chOff x="0" y="0"/>
-          <a:chExt cx="0" cy="0"/>
-        </a:xfrm>
-      </p:grpSpPr>
-      <p:sp>
-        <p:nvSpPr>
-          <p:cNvPr id="2" name="Footer Placeholder 1"/>
-          <p:cNvSpPr>
-            <a:spLocks noGrp="1"/>
-          </p:cNvSpPr>
-          <p:nvPr>
-            <p:ph type="ftr" sz="quarter" idx="11"/>
-          </p:nvPr>
-        </p:nvSpPr>
-        <p:spPr/>
-        <p:txBody>
-          <a:bodyPr/>
-          <a:lstStyle/>
-          <a:p>
-            <a:endParaRPr lang="en-US"/>
-          </a:p>
-        </p:txBody>
-      </p:sp>
-      <p:sp>
-        <p:nvSpPr>
-          <p:cNvPr id="5" name="Title 4"/>
-          <p:cNvSpPr>
-            <a:spLocks noGrp="1"/>
-          </p:cNvSpPr>
-          <p:nvPr>
-            <p:ph type="title"/>
-          </p:nvPr>
-        </p:nvSpPr>
-        <p:spPr/>
-        <p:txBody>
-          <a:bodyPr/>
-          <a:lstStyle/>
-          <a:p>
-            <a:r>
-              <a:rPr lang="en-PH" dirty="0" smtClean="0"/>
-              <a:t>TRELLO </a:t>
-            </a:r>
-            <a:endParaRPr lang="en-PH" dirty="0"/>
-          </a:p>
-        </p:txBody>
-      </p:sp>
-      <p:pic>
-        <p:nvPicPr>
-          <p:cNvPr id="6" name="Picture 5"/>
-          <p:cNvPicPr>
-            <a:picLocks noChangeAspect="1"/>
-          </p:cNvPicPr>
-          <p:nvPr/>
-        </p:nvPicPr>
-        <p:blipFill>
-          <a:blip r:embed="rId2">
-            <a:extLst>
-              <a:ext uri="{28A0092B-C50C-407E-A947-70E740481C1C}">
-                <a14:useLocalDpi xmlns:a14="http://schemas.microsoft.com/office/drawing/2010/main" val="0"/>
-              </a:ext>
-            </a:extLst>
-          </a:blip>
-          <a:stretch>
-            <a:fillRect/>
-          </a:stretch>
-        </p:blipFill>
-        <p:spPr>
-          <a:xfrm>
-            <a:off x="609600" y="1888073"/>
-            <a:ext cx="10058400" cy="4270770"/>
-          </a:xfrm>
-          <a:prstGeom prst="rect">
-            <a:avLst/>
-          </a:prstGeom>
-        </p:spPr>
-      </p:pic>
-    </p:spTree>
-    <p:extLst>
-      <p:ext uri="{BB962C8B-B14F-4D97-AF65-F5344CB8AC3E}">
-        <p14:creationId xmlns:p14="http://schemas.microsoft.com/office/powerpoint/2010/main" val="3418404703"/>
-      </p:ext>
-    </p:extLst>
-  </p:cSld>
-  <p:clrMapOvr>
-    <a:masterClrMapping/>
-  </p:clrMapOvr>
-  <mc:AlternateContent xmlns:mc="http://schemas.openxmlformats.org/markup-compatibility/2006">
-    <mc:Choice xmlns:p14="http://schemas.microsoft.com/office/powerpoint/2010/main" Requires="p14">
-      <p:transition spd="med" p14:dur="700">
-        <p:fade/>
-      </p:transition>
-    </mc:Choice>
-    <mc:Fallback>
-      <p:transition spd="med">
-        <p:fade/>
-      </p:transition>
-    </mc:Fallback>
-  </mc:AlternateContent>
-</p:sld>
-</file>
-
-<file path=ppt/slides/slide14.xml><?xml version="1.0" encoding="utf-8"?>
-<p:sld xmlns:a="http://schemas.openxmlformats.org/drawingml/2006/main" xmlns:r="http://schemas.openxmlformats.org/officeDocument/2006/relationships" xmlns:p="http://schemas.openxmlformats.org/presentationml/2006/main">
-  <p:cSld>
-    <p:spTree>
-      <p:nvGrpSpPr>
-        <p:cNvPr id="1" name=""/>
-        <p:cNvGrpSpPr/>
-        <p:nvPr/>
-      </p:nvGrpSpPr>
-      <p:grpSpPr>
-        <a:xfrm>
-          <a:off x="0" y="0"/>
-          <a:ext cx="0" cy="0"/>
-          <a:chOff x="0" y="0"/>
-          <a:chExt cx="0" cy="0"/>
-        </a:xfrm>
-      </p:grpSpPr>
-      <p:pic>
-        <p:nvPicPr>
-          <p:cNvPr id="6" name="Picture 5"/>
-          <p:cNvPicPr>
-            <a:picLocks noChangeAspect="1"/>
-          </p:cNvPicPr>
-          <p:nvPr/>
-        </p:nvPicPr>
-        <p:blipFill>
-          <a:blip r:embed="rId2">
-            <a:extLst>
-              <a:ext uri="{28A0092B-C50C-407E-A947-70E740481C1C}">
-                <a14:useLocalDpi xmlns:a14="http://schemas.microsoft.com/office/drawing/2010/main" val="0"/>
-              </a:ext>
-            </a:extLst>
-          </a:blip>
-          <a:stretch>
-            <a:fillRect/>
-          </a:stretch>
-        </p:blipFill>
-        <p:spPr>
-          <a:xfrm>
-            <a:off x="643942" y="1235437"/>
-            <a:ext cx="11054313" cy="4701724"/>
-          </a:xfrm>
-          <a:prstGeom prst="rect">
-            <a:avLst/>
-          </a:prstGeom>
-        </p:spPr>
-      </p:pic>
-    </p:spTree>
-    <p:extLst>
-      <p:ext uri="{BB962C8B-B14F-4D97-AF65-F5344CB8AC3E}">
-        <p14:creationId xmlns:p14="http://schemas.microsoft.com/office/powerpoint/2010/main" val="3654835289"/>
-      </p:ext>
-    </p:extLst>
-  </p:cSld>
-  <p:clrMapOvr>
-    <a:masterClrMapping/>
-  </p:clrMapOvr>
-  <mc:AlternateContent xmlns:mc="http://schemas.openxmlformats.org/markup-compatibility/2006">
-    <mc:Choice xmlns:p14="http://schemas.microsoft.com/office/powerpoint/2010/main" Requires="p14">
-      <p:transition spd="med" p14:dur="700">
-        <p:fade/>
-      </p:transition>
-    </mc:Choice>
-    <mc:Fallback>
-      <p:transition spd="med">
-        <p:fade/>
-      </p:transition>
-    </mc:Fallback>
-  </mc:AlternateContent>
-</p:sld>
-</file>
-
-<file path=ppt/slides/slide15.xml><?xml version="1.0" encoding="utf-8"?>
-<p:sld xmlns:a="http://schemas.openxmlformats.org/drawingml/2006/main" xmlns:r="http://schemas.openxmlformats.org/officeDocument/2006/relationships" xmlns:p="http://schemas.openxmlformats.org/presentationml/2006/main">
-  <p:cSld>
-    <p:spTree>
-      <p:nvGrpSpPr>
-        <p:cNvPr id="1" name=""/>
-        <p:cNvGrpSpPr/>
-        <p:nvPr/>
-      </p:nvGrpSpPr>
-      <p:grpSpPr>
-        <a:xfrm>
-          <a:off x="0" y="0"/>
-          <a:ext cx="0" cy="0"/>
-          <a:chOff x="0" y="0"/>
-          <a:chExt cx="0" cy="0"/>
-        </a:xfrm>
-      </p:grpSpPr>
-      <p:sp>
-        <p:nvSpPr>
-          <p:cNvPr id="2" name="Footer Placeholder 1"/>
-          <p:cNvSpPr>
-            <a:spLocks noGrp="1"/>
-          </p:cNvSpPr>
-          <p:nvPr>
-            <p:ph type="ftr" sz="quarter" idx="11"/>
-          </p:nvPr>
-        </p:nvSpPr>
-        <p:spPr/>
-        <p:txBody>
-          <a:bodyPr/>
-          <a:lstStyle/>
-          <a:p>
-            <a:endParaRPr lang="en-US"/>
-          </a:p>
-        </p:txBody>
-      </p:sp>
-      <p:sp>
-        <p:nvSpPr>
-          <p:cNvPr id="5" name="Title 4"/>
-          <p:cNvSpPr>
-            <a:spLocks noGrp="1"/>
-          </p:cNvSpPr>
-          <p:nvPr>
-            <p:ph type="title"/>
-          </p:nvPr>
-        </p:nvSpPr>
-        <p:spPr/>
-        <p:txBody>
-          <a:bodyPr/>
-          <a:lstStyle/>
-          <a:p>
-            <a:r>
-              <a:rPr lang="en-PH" dirty="0" smtClean="0"/>
-              <a:t>FRONTEND</a:t>
-            </a:r>
-            <a:endParaRPr lang="en-PH" dirty="0"/>
-          </a:p>
-        </p:txBody>
-      </p:sp>
-      <p:pic>
-        <p:nvPicPr>
-          <p:cNvPr id="6" name="Picture 5"/>
-          <p:cNvPicPr>
-            <a:picLocks noChangeAspect="1"/>
-          </p:cNvPicPr>
-          <p:nvPr/>
-        </p:nvPicPr>
-        <p:blipFill>
-          <a:blip r:embed="rId2">
-            <a:extLst>
-              <a:ext uri="{28A0092B-C50C-407E-A947-70E740481C1C}">
-                <a14:useLocalDpi xmlns:a14="http://schemas.microsoft.com/office/drawing/2010/main" val="0"/>
-              </a:ext>
-            </a:extLst>
-          </a:blip>
-          <a:stretch>
-            <a:fillRect/>
-          </a:stretch>
-        </p:blipFill>
-        <p:spPr>
-          <a:xfrm>
-            <a:off x="1066800" y="1706625"/>
-            <a:ext cx="10058400" cy="4881931"/>
-          </a:xfrm>
-          <a:prstGeom prst="rect">
-            <a:avLst/>
-          </a:prstGeom>
-        </p:spPr>
-      </p:pic>
-    </p:spTree>
-    <p:extLst>
-      <p:ext uri="{BB962C8B-B14F-4D97-AF65-F5344CB8AC3E}">
-        <p14:creationId xmlns:p14="http://schemas.microsoft.com/office/powerpoint/2010/main" val="290413652"/>
-      </p:ext>
-    </p:extLst>
-  </p:cSld>
-  <p:clrMapOvr>
-    <a:masterClrMapping/>
-  </p:clrMapOvr>
-  <mc:AlternateContent xmlns:mc="http://schemas.openxmlformats.org/markup-compatibility/2006">
-    <mc:Choice xmlns:p14="http://schemas.microsoft.com/office/powerpoint/2010/main" Requires="p14">
-      <p:transition spd="med" p14:dur="700">
-        <p:fade/>
-      </p:transition>
-    </mc:Choice>
-    <mc:Fallback>
-      <p:transition spd="med">
-        <p:fade/>
-      </p:transition>
-    </mc:Fallback>
-  </mc:AlternateContent>
-</p:sld>
-</file>
-
-<file path=ppt/slides/slide16.xml><?xml version="1.0" encoding="utf-8"?>
-<p:sld xmlns:a="http://schemas.openxmlformats.org/drawingml/2006/main" xmlns:r="http://schemas.openxmlformats.org/officeDocument/2006/relationships" xmlns:p="http://schemas.openxmlformats.org/presentationml/2006/main">
-  <p:cSld>
-    <p:spTree>
-      <p:nvGrpSpPr>
-        <p:cNvPr id="1" name=""/>
-        <p:cNvGrpSpPr/>
-        <p:nvPr/>
-      </p:nvGrpSpPr>
-      <p:grpSpPr>
-        <a:xfrm>
-          <a:off x="0" y="0"/>
-          <a:ext cx="0" cy="0"/>
-          <a:chOff x="0" y="0"/>
-          <a:chExt cx="0" cy="0"/>
-        </a:xfrm>
-      </p:grpSpPr>
-      <p:sp>
-        <p:nvSpPr>
-          <p:cNvPr id="2" name="Footer Placeholder 1"/>
-          <p:cNvSpPr>
-            <a:spLocks noGrp="1"/>
-          </p:cNvSpPr>
-          <p:nvPr>
-            <p:ph type="ftr" sz="quarter" idx="11"/>
-          </p:nvPr>
-        </p:nvSpPr>
-        <p:spPr/>
-        <p:txBody>
-          <a:bodyPr/>
-          <a:lstStyle/>
-          <a:p>
-            <a:endParaRPr lang="en-US"/>
-          </a:p>
-        </p:txBody>
-      </p:sp>
-      <p:pic>
-        <p:nvPicPr>
-          <p:cNvPr id="6" name="Picture 5"/>
-          <p:cNvPicPr>
-            <a:picLocks noChangeAspect="1"/>
-          </p:cNvPicPr>
-          <p:nvPr/>
-        </p:nvPicPr>
-        <p:blipFill>
-          <a:blip r:embed="rId2">
-            <a:extLst>
-              <a:ext uri="{28A0092B-C50C-407E-A947-70E740481C1C}">
-                <a14:useLocalDpi xmlns:a14="http://schemas.microsoft.com/office/drawing/2010/main" val="0"/>
-              </a:ext>
-            </a:extLst>
-          </a:blip>
-          <a:stretch>
-            <a:fillRect/>
-          </a:stretch>
-        </p:blipFill>
-        <p:spPr>
-          <a:xfrm>
-            <a:off x="901521" y="1000067"/>
-            <a:ext cx="10058400" cy="4900245"/>
-          </a:xfrm>
-          <a:prstGeom prst="rect">
-            <a:avLst/>
-          </a:prstGeom>
-        </p:spPr>
-      </p:pic>
-    </p:spTree>
-    <p:extLst>
-      <p:ext uri="{BB962C8B-B14F-4D97-AF65-F5344CB8AC3E}">
-        <p14:creationId xmlns:p14="http://schemas.microsoft.com/office/powerpoint/2010/main" val="3262095290"/>
-      </p:ext>
-    </p:extLst>
-  </p:cSld>
-  <p:clrMapOvr>
-    <a:masterClrMapping/>
-  </p:clrMapOvr>
-  <mc:AlternateContent xmlns:mc="http://schemas.openxmlformats.org/markup-compatibility/2006">
-    <mc:Choice xmlns:p14="http://schemas.microsoft.com/office/powerpoint/2010/main" Requires="p14">
-      <p:transition spd="med" p14:dur="700">
-        <p:fade/>
-      </p:transition>
-    </mc:Choice>
-    <mc:Fallback>
-      <p:transition spd="med">
-        <p:fade/>
-      </p:transition>
-    </mc:Fallback>
-  </mc:AlternateContent>
-</p:sld>
-</file>
-
-<file path=ppt/slides/slide17.xml><?xml version="1.0" encoding="utf-8"?>
-<p:sld xmlns:a="http://schemas.openxmlformats.org/drawingml/2006/main" xmlns:r="http://schemas.openxmlformats.org/officeDocument/2006/relationships" xmlns:p="http://schemas.openxmlformats.org/presentationml/2006/main">
-  <p:cSld>
-    <p:spTree>
-      <p:nvGrpSpPr>
-        <p:cNvPr id="1" name=""/>
-        <p:cNvGrpSpPr/>
-        <p:nvPr/>
-      </p:nvGrpSpPr>
-      <p:grpSpPr>
-        <a:xfrm>
-          <a:off x="0" y="0"/>
-          <a:ext cx="0" cy="0"/>
-          <a:chOff x="0" y="0"/>
-          <a:chExt cx="0" cy="0"/>
-        </a:xfrm>
-      </p:grpSpPr>
-      <p:sp>
-        <p:nvSpPr>
-          <p:cNvPr id="2" name="Footer Placeholder 1"/>
-          <p:cNvSpPr>
-            <a:spLocks noGrp="1"/>
-          </p:cNvSpPr>
-          <p:nvPr>
-            <p:ph type="ftr" sz="quarter" idx="11"/>
-          </p:nvPr>
-        </p:nvSpPr>
-        <p:spPr/>
-        <p:txBody>
-          <a:bodyPr/>
-          <a:lstStyle/>
-          <a:p>
-            <a:endParaRPr lang="en-US"/>
-          </a:p>
-        </p:txBody>
-      </p:sp>
-      <p:pic>
-        <p:nvPicPr>
-          <p:cNvPr id="6" name="Picture 5"/>
-          <p:cNvPicPr>
-            <a:picLocks noChangeAspect="1"/>
-          </p:cNvPicPr>
-          <p:nvPr/>
-        </p:nvPicPr>
-        <p:blipFill>
-          <a:blip r:embed="rId2">
-            <a:extLst>
-              <a:ext uri="{28A0092B-C50C-407E-A947-70E740481C1C}">
-                <a14:useLocalDpi xmlns:a14="http://schemas.microsoft.com/office/drawing/2010/main" val="0"/>
-              </a:ext>
-            </a:extLst>
-          </a:blip>
-          <a:stretch>
-            <a:fillRect/>
-          </a:stretch>
-        </p:blipFill>
-        <p:spPr>
-          <a:xfrm>
-            <a:off x="798490" y="777697"/>
-            <a:ext cx="10058400" cy="4863402"/>
-          </a:xfrm>
-          <a:prstGeom prst="rect">
-            <a:avLst/>
-          </a:prstGeom>
-        </p:spPr>
-      </p:pic>
-    </p:spTree>
-    <p:extLst>
-      <p:ext uri="{BB962C8B-B14F-4D97-AF65-F5344CB8AC3E}">
-        <p14:creationId xmlns:p14="http://schemas.microsoft.com/office/powerpoint/2010/main" val="3185281711"/>
-      </p:ext>
-    </p:extLst>
-  </p:cSld>
-  <p:clrMapOvr>
-    <a:masterClrMapping/>
-  </p:clrMapOvr>
-  <mc:AlternateContent xmlns:mc="http://schemas.openxmlformats.org/markup-compatibility/2006">
-    <mc:Choice xmlns:p14="http://schemas.microsoft.com/office/powerpoint/2010/main" Requires="p14">
-      <p:transition spd="med" p14:dur="700">
-        <p:fade/>
-      </p:transition>
-    </mc:Choice>
-    <mc:Fallback>
-      <p:transition spd="med">
-        <p:fade/>
-      </p:transition>
-    </mc:Fallback>
-  </mc:AlternateContent>
-</p:sld>
-</file>
-
-<file path=ppt/slides/slide18.xml><?xml version="1.0" encoding="utf-8"?>
-<p:sld xmlns:a="http://schemas.openxmlformats.org/drawingml/2006/main" xmlns:r="http://schemas.openxmlformats.org/officeDocument/2006/relationships" xmlns:p="http://schemas.openxmlformats.org/presentationml/2006/main">
-  <p:cSld>
-    <p:spTree>
-      <p:nvGrpSpPr>
-        <p:cNvPr id="1" name=""/>
-        <p:cNvGrpSpPr/>
-        <p:nvPr/>
-      </p:nvGrpSpPr>
-      <p:grpSpPr>
-        <a:xfrm>
-          <a:off x="0" y="0"/>
-          <a:ext cx="0" cy="0"/>
-          <a:chOff x="0" y="0"/>
-          <a:chExt cx="0" cy="0"/>
-        </a:xfrm>
-      </p:grpSpPr>
-      <p:sp>
-        <p:nvSpPr>
-          <p:cNvPr id="2" name="Footer Placeholder 1"/>
-          <p:cNvSpPr>
-            <a:spLocks noGrp="1"/>
-          </p:cNvSpPr>
-          <p:nvPr>
-            <p:ph type="ftr" sz="quarter" idx="11"/>
-          </p:nvPr>
-        </p:nvSpPr>
-        <p:spPr/>
-        <p:txBody>
-          <a:bodyPr/>
-          <a:lstStyle/>
-          <a:p>
-            <a:endParaRPr lang="en-US"/>
-          </a:p>
-        </p:txBody>
-      </p:sp>
-      <p:pic>
-        <p:nvPicPr>
-          <p:cNvPr id="7" name="Picture 6"/>
-          <p:cNvPicPr>
-            <a:picLocks noChangeAspect="1"/>
-          </p:cNvPicPr>
-          <p:nvPr/>
-        </p:nvPicPr>
-        <p:blipFill>
-          <a:blip r:embed="rId2">
-            <a:extLst>
-              <a:ext uri="{28A0092B-C50C-407E-A947-70E740481C1C}">
-                <a14:useLocalDpi xmlns:a14="http://schemas.microsoft.com/office/drawing/2010/main" val="0"/>
-              </a:ext>
-            </a:extLst>
-          </a:blip>
-          <a:stretch>
-            <a:fillRect/>
-          </a:stretch>
-        </p:blipFill>
-        <p:spPr>
-          <a:xfrm>
-            <a:off x="1030310" y="889790"/>
-            <a:ext cx="10058400" cy="4867205"/>
-          </a:xfrm>
-          <a:prstGeom prst="rect">
-            <a:avLst/>
-          </a:prstGeom>
-        </p:spPr>
-      </p:pic>
-    </p:spTree>
-    <p:extLst>
-      <p:ext uri="{BB962C8B-B14F-4D97-AF65-F5344CB8AC3E}">
-        <p14:creationId xmlns:p14="http://schemas.microsoft.com/office/powerpoint/2010/main" val="1063678389"/>
-      </p:ext>
-    </p:extLst>
-  </p:cSld>
-  <p:clrMapOvr>
-    <a:masterClrMapping/>
-  </p:clrMapOvr>
-  <mc:AlternateContent xmlns:mc="http://schemas.openxmlformats.org/markup-compatibility/2006">
-    <mc:Choice xmlns:p14="http://schemas.microsoft.com/office/powerpoint/2010/main" Requires="p14">
-      <p:transition spd="med" p14:dur="700">
-        <p:fade/>
-      </p:transition>
-    </mc:Choice>
-    <mc:Fallback>
-      <p:transition spd="med">
-        <p:fade/>
-      </p:transition>
-    </mc:Fallback>
-  </mc:AlternateContent>
-</p:sld>
-</file>
-
-<file path=ppt/slides/slide19.xml><?xml version="1.0" encoding="utf-8"?>
-<p:sld xmlns:a="http://schemas.openxmlformats.org/drawingml/2006/main" xmlns:r="http://schemas.openxmlformats.org/officeDocument/2006/relationships" xmlns:p="http://schemas.openxmlformats.org/presentationml/2006/main">
-  <p:cSld>
-    <p:spTree>
-      <p:nvGrpSpPr>
-        <p:cNvPr id="1" name=""/>
-        <p:cNvGrpSpPr/>
-        <p:nvPr/>
-      </p:nvGrpSpPr>
-      <p:grpSpPr>
-        <a:xfrm>
-          <a:off x="0" y="0"/>
-          <a:ext cx="0" cy="0"/>
-          <a:chOff x="0" y="0"/>
-          <a:chExt cx="0" cy="0"/>
-        </a:xfrm>
-      </p:grpSpPr>
-      <p:sp>
-        <p:nvSpPr>
-          <p:cNvPr id="2" name="Footer Placeholder 1"/>
-          <p:cNvSpPr>
-            <a:spLocks noGrp="1"/>
-          </p:cNvSpPr>
-          <p:nvPr>
-            <p:ph type="ftr" sz="quarter" idx="11"/>
-          </p:nvPr>
-        </p:nvSpPr>
-        <p:spPr/>
-        <p:txBody>
-          <a:bodyPr/>
-          <a:lstStyle/>
-          <a:p>
-            <a:endParaRPr lang="en-US"/>
-          </a:p>
-        </p:txBody>
-      </p:sp>
-      <p:pic>
-        <p:nvPicPr>
-          <p:cNvPr id="6" name="Picture 5"/>
-          <p:cNvPicPr>
-            <a:picLocks noChangeAspect="1"/>
-          </p:cNvPicPr>
-          <p:nvPr/>
-        </p:nvPicPr>
-        <p:blipFill>
-          <a:blip r:embed="rId2">
-            <a:extLst>
-              <a:ext uri="{28A0092B-C50C-407E-A947-70E740481C1C}">
-                <a14:useLocalDpi xmlns:a14="http://schemas.microsoft.com/office/drawing/2010/main" val="0"/>
-              </a:ext>
-            </a:extLst>
-          </a:blip>
-          <a:stretch>
-            <a:fillRect/>
-          </a:stretch>
-        </p:blipFill>
-        <p:spPr>
-          <a:xfrm>
-            <a:off x="1236372" y="786759"/>
-            <a:ext cx="10058400" cy="4867205"/>
-          </a:xfrm>
-          <a:prstGeom prst="rect">
-            <a:avLst/>
-          </a:prstGeom>
-        </p:spPr>
-      </p:pic>
-    </p:spTree>
-    <p:extLst>
-      <p:ext uri="{BB962C8B-B14F-4D97-AF65-F5344CB8AC3E}">
-        <p14:creationId xmlns:p14="http://schemas.microsoft.com/office/powerpoint/2010/main" val="1610707371"/>
-      </p:ext>
-    </p:extLst>
-  </p:cSld>
-  <p:clrMapOvr>
-    <a:masterClrMapping/>
-  </p:clrMapOvr>
-  <mc:AlternateContent xmlns:mc="http://schemas.openxmlformats.org/markup-compatibility/2006">
-    <mc:Choice xmlns:p14="http://schemas.microsoft.com/office/powerpoint/2010/main" Requires="p14">
-      <p:transition spd="med" p14:dur="700">
-        <p:fade/>
-      </p:transition>
-    </mc:Choice>
-    <mc:Fallback>
+    <mc:Fallback xmlns="">
       <p:transition spd="med">
         <p:fade/>
       </p:transition>
@@ -5274,330 +4495,6 @@
       </p:par>
     </p:tnLst>
   </p:timing>
-</p:sld>
-</file>
-
-<file path=ppt/slides/slide20.xml><?xml version="1.0" encoding="utf-8"?>
-<p:sld xmlns:a="http://schemas.openxmlformats.org/drawingml/2006/main" xmlns:r="http://schemas.openxmlformats.org/officeDocument/2006/relationships" xmlns:p="http://schemas.openxmlformats.org/presentationml/2006/main">
-  <p:cSld>
-    <p:spTree>
-      <p:nvGrpSpPr>
-        <p:cNvPr id="1" name=""/>
-        <p:cNvGrpSpPr/>
-        <p:nvPr/>
-      </p:nvGrpSpPr>
-      <p:grpSpPr>
-        <a:xfrm>
-          <a:off x="0" y="0"/>
-          <a:ext cx="0" cy="0"/>
-          <a:chOff x="0" y="0"/>
-          <a:chExt cx="0" cy="0"/>
-        </a:xfrm>
-      </p:grpSpPr>
-      <p:sp>
-        <p:nvSpPr>
-          <p:cNvPr id="2" name="Footer Placeholder 1"/>
-          <p:cNvSpPr>
-            <a:spLocks noGrp="1"/>
-          </p:cNvSpPr>
-          <p:nvPr>
-            <p:ph type="ftr" sz="quarter" idx="11"/>
-          </p:nvPr>
-        </p:nvSpPr>
-        <p:spPr/>
-        <p:txBody>
-          <a:bodyPr/>
-          <a:lstStyle/>
-          <a:p>
-            <a:endParaRPr lang="en-US"/>
-          </a:p>
-        </p:txBody>
-      </p:sp>
-      <p:sp>
-        <p:nvSpPr>
-          <p:cNvPr id="5" name="Title 4"/>
-          <p:cNvSpPr>
-            <a:spLocks noGrp="1"/>
-          </p:cNvSpPr>
-          <p:nvPr>
-            <p:ph type="title"/>
-          </p:nvPr>
-        </p:nvSpPr>
-        <p:spPr>
-          <a:xfrm>
-            <a:off x="719071" y="609844"/>
-            <a:ext cx="10972800" cy="1066800"/>
-          </a:xfrm>
-        </p:spPr>
-        <p:txBody>
-          <a:bodyPr/>
-          <a:lstStyle/>
-          <a:p>
-            <a:r>
-              <a:rPr lang="en-PH" dirty="0" smtClean="0"/>
-              <a:t>COMMON</a:t>
-            </a:r>
-            <a:endParaRPr lang="en-PH" dirty="0"/>
-          </a:p>
-        </p:txBody>
-      </p:sp>
-      <p:pic>
-        <p:nvPicPr>
-          <p:cNvPr id="6" name="Picture 5"/>
-          <p:cNvPicPr>
-            <a:picLocks noChangeAspect="1"/>
-          </p:cNvPicPr>
-          <p:nvPr/>
-        </p:nvPicPr>
-        <p:blipFill>
-          <a:blip r:embed="rId2">
-            <a:extLst>
-              <a:ext uri="{28A0092B-C50C-407E-A947-70E740481C1C}">
-                <a14:useLocalDpi xmlns:a14="http://schemas.microsoft.com/office/drawing/2010/main" val="0"/>
-              </a:ext>
-            </a:extLst>
-          </a:blip>
-          <a:stretch>
-            <a:fillRect/>
-          </a:stretch>
-        </p:blipFill>
-        <p:spPr>
-          <a:xfrm>
-            <a:off x="1176271" y="1509219"/>
-            <a:ext cx="10058400" cy="4874568"/>
-          </a:xfrm>
-          <a:prstGeom prst="rect">
-            <a:avLst/>
-          </a:prstGeom>
-        </p:spPr>
-      </p:pic>
-    </p:spTree>
-    <p:extLst>
-      <p:ext uri="{BB962C8B-B14F-4D97-AF65-F5344CB8AC3E}">
-        <p14:creationId xmlns:p14="http://schemas.microsoft.com/office/powerpoint/2010/main" val="989856067"/>
-      </p:ext>
-    </p:extLst>
-  </p:cSld>
-  <p:clrMapOvr>
-    <a:masterClrMapping/>
-  </p:clrMapOvr>
-  <mc:AlternateContent xmlns:mc="http://schemas.openxmlformats.org/markup-compatibility/2006">
-    <mc:Choice xmlns:p14="http://schemas.microsoft.com/office/powerpoint/2010/main" Requires="p14">
-      <p:transition spd="med" p14:dur="700">
-        <p:fade/>
-      </p:transition>
-    </mc:Choice>
-    <mc:Fallback>
-      <p:transition spd="med">
-        <p:fade/>
-      </p:transition>
-    </mc:Fallback>
-  </mc:AlternateContent>
-</p:sld>
-</file>
-
-<file path=ppt/slides/slide21.xml><?xml version="1.0" encoding="utf-8"?>
-<p:sld xmlns:a="http://schemas.openxmlformats.org/drawingml/2006/main" xmlns:r="http://schemas.openxmlformats.org/officeDocument/2006/relationships" xmlns:p="http://schemas.openxmlformats.org/presentationml/2006/main">
-  <p:cSld>
-    <p:spTree>
-      <p:nvGrpSpPr>
-        <p:cNvPr id="1" name=""/>
-        <p:cNvGrpSpPr/>
-        <p:nvPr/>
-      </p:nvGrpSpPr>
-      <p:grpSpPr>
-        <a:xfrm>
-          <a:off x="0" y="0"/>
-          <a:ext cx="0" cy="0"/>
-          <a:chOff x="0" y="0"/>
-          <a:chExt cx="0" cy="0"/>
-        </a:xfrm>
-      </p:grpSpPr>
-      <p:sp>
-        <p:nvSpPr>
-          <p:cNvPr id="2" name="Footer Placeholder 1"/>
-          <p:cNvSpPr>
-            <a:spLocks noGrp="1"/>
-          </p:cNvSpPr>
-          <p:nvPr>
-            <p:ph type="ftr" sz="quarter" idx="11"/>
-          </p:nvPr>
-        </p:nvSpPr>
-        <p:spPr/>
-        <p:txBody>
-          <a:bodyPr/>
-          <a:lstStyle/>
-          <a:p>
-            <a:endParaRPr lang="en-US"/>
-          </a:p>
-        </p:txBody>
-      </p:sp>
-      <p:pic>
-        <p:nvPicPr>
-          <p:cNvPr id="6" name="Picture 5"/>
-          <p:cNvPicPr>
-            <a:picLocks noChangeAspect="1"/>
-          </p:cNvPicPr>
-          <p:nvPr/>
-        </p:nvPicPr>
-        <p:blipFill>
-          <a:blip r:embed="rId2">
-            <a:extLst>
-              <a:ext uri="{28A0092B-C50C-407E-A947-70E740481C1C}">
-                <a14:useLocalDpi xmlns:a14="http://schemas.microsoft.com/office/drawing/2010/main" val="0"/>
-              </a:ext>
-            </a:extLst>
-          </a:blip>
-          <a:stretch>
-            <a:fillRect/>
-          </a:stretch>
-        </p:blipFill>
-        <p:spPr>
-          <a:xfrm>
-            <a:off x="940158" y="1354673"/>
-            <a:ext cx="10058400" cy="4867205"/>
-          </a:xfrm>
-          <a:prstGeom prst="rect">
-            <a:avLst/>
-          </a:prstGeom>
-        </p:spPr>
-      </p:pic>
-    </p:spTree>
-    <p:extLst>
-      <p:ext uri="{BB962C8B-B14F-4D97-AF65-F5344CB8AC3E}">
-        <p14:creationId xmlns:p14="http://schemas.microsoft.com/office/powerpoint/2010/main" val="1752846961"/>
-      </p:ext>
-    </p:extLst>
-  </p:cSld>
-  <p:clrMapOvr>
-    <a:masterClrMapping/>
-  </p:clrMapOvr>
-  <mc:AlternateContent xmlns:mc="http://schemas.openxmlformats.org/markup-compatibility/2006">
-    <mc:Choice xmlns:p14="http://schemas.microsoft.com/office/powerpoint/2010/main" Requires="p14">
-      <p:transition spd="med" p14:dur="700">
-        <p:fade/>
-      </p:transition>
-    </mc:Choice>
-    <mc:Fallback>
-      <p:transition spd="med">
-        <p:fade/>
-      </p:transition>
-    </mc:Fallback>
-  </mc:AlternateContent>
-</p:sld>
-</file>
-
-<file path=ppt/slides/slide22.xml><?xml version="1.0" encoding="utf-8"?>
-<p:sld xmlns:a="http://schemas.openxmlformats.org/drawingml/2006/main" xmlns:r="http://schemas.openxmlformats.org/officeDocument/2006/relationships" xmlns:p="http://schemas.openxmlformats.org/presentationml/2006/main">
-  <p:cSld>
-    <p:spTree>
-      <p:nvGrpSpPr>
-        <p:cNvPr id="1" name=""/>
-        <p:cNvGrpSpPr/>
-        <p:nvPr/>
-      </p:nvGrpSpPr>
-      <p:grpSpPr>
-        <a:xfrm>
-          <a:off x="0" y="0"/>
-          <a:ext cx="0" cy="0"/>
-          <a:chOff x="0" y="0"/>
-          <a:chExt cx="0" cy="0"/>
-        </a:xfrm>
-      </p:grpSpPr>
-      <p:sp>
-        <p:nvSpPr>
-          <p:cNvPr id="2" name="Footer Placeholder 1"/>
-          <p:cNvSpPr>
-            <a:spLocks noGrp="1"/>
-          </p:cNvSpPr>
-          <p:nvPr>
-            <p:ph type="ftr" sz="quarter" idx="11"/>
-          </p:nvPr>
-        </p:nvSpPr>
-        <p:spPr/>
-        <p:txBody>
-          <a:bodyPr/>
-          <a:lstStyle/>
-          <a:p>
-            <a:endParaRPr lang="en-US"/>
-          </a:p>
-        </p:txBody>
-      </p:sp>
-      <p:sp>
-        <p:nvSpPr>
-          <p:cNvPr id="5" name="Title 4"/>
-          <p:cNvSpPr>
-            <a:spLocks noGrp="1"/>
-          </p:cNvSpPr>
-          <p:nvPr>
-            <p:ph type="title"/>
-          </p:nvPr>
-        </p:nvSpPr>
-        <p:spPr/>
-        <p:txBody>
-          <a:bodyPr/>
-          <a:lstStyle/>
-          <a:p>
-            <a:r>
-              <a:rPr lang="en-PH" dirty="0" smtClean="0"/>
-              <a:t>BACKEND</a:t>
-            </a:r>
-            <a:endParaRPr lang="en-PH" dirty="0"/>
-          </a:p>
-        </p:txBody>
-      </p:sp>
-      <p:pic>
-        <p:nvPicPr>
-          <p:cNvPr id="6" name="Picture 5"/>
-          <p:cNvPicPr>
-            <a:picLocks noChangeAspect="1"/>
-          </p:cNvPicPr>
-          <p:nvPr/>
-        </p:nvPicPr>
-        <p:blipFill>
-          <a:blip r:embed="rId2">
-            <a:extLst>
-              <a:ext uri="{28A0092B-C50C-407E-A947-70E740481C1C}">
-                <a14:useLocalDpi xmlns:a14="http://schemas.microsoft.com/office/drawing/2010/main" val="0"/>
-              </a:ext>
-            </a:extLst>
-          </a:blip>
-          <a:stretch>
-            <a:fillRect/>
-          </a:stretch>
-        </p:blipFill>
-        <p:spPr>
-          <a:xfrm>
-            <a:off x="1184857" y="1643249"/>
-            <a:ext cx="10058400" cy="4837751"/>
-          </a:xfrm>
-          <a:prstGeom prst="rect">
-            <a:avLst/>
-          </a:prstGeom>
-        </p:spPr>
-      </p:pic>
-    </p:spTree>
-    <p:extLst>
-      <p:ext uri="{BB962C8B-B14F-4D97-AF65-F5344CB8AC3E}">
-        <p14:creationId xmlns:p14="http://schemas.microsoft.com/office/powerpoint/2010/main" val="1630342428"/>
-      </p:ext>
-    </p:extLst>
-  </p:cSld>
-  <p:clrMapOvr>
-    <a:masterClrMapping/>
-  </p:clrMapOvr>
-  <mc:AlternateContent xmlns:mc="http://schemas.openxmlformats.org/markup-compatibility/2006">
-    <mc:Choice xmlns:p14="http://schemas.microsoft.com/office/powerpoint/2010/main" Requires="p14">
-      <p:transition spd="med" p14:dur="700">
-        <p:fade/>
-      </p:transition>
-    </mc:Choice>
-    <mc:Fallback>
-      <p:transition spd="med">
-        <p:fade/>
-      </p:transition>
-    </mc:Fallback>
-  </mc:AlternateContent>
 </p:sld>
 </file>
 
@@ -6468,12 +5365,12 @@
       </p:grpSpPr>
       <p:sp>
         <p:nvSpPr>
-          <p:cNvPr id="5" name="Title 4"/>
-          <p:cNvSpPr>
-            <a:spLocks noGrp="1"/>
-          </p:cNvSpPr>
-          <p:nvPr>
-            <p:ph type="title"/>
+          <p:cNvPr id="2" name="Footer Placeholder 1"/>
+          <p:cNvSpPr>
+            <a:spLocks noGrp="1"/>
+          </p:cNvSpPr>
+          <p:nvPr>
+            <p:ph type="ftr" sz="quarter" idx="11"/>
           </p:nvPr>
         </p:nvSpPr>
         <p:spPr/>
@@ -6481,110 +5378,122 @@
           <a:bodyPr/>
           <a:lstStyle/>
           <a:p>
-            <a:r>
-              <a:rPr lang="en-US" dirty="0" smtClean="0"/>
-              <a:t>Review of Related Literature</a:t>
-            </a:r>
-            <a:endParaRPr lang="en-US" dirty="0"/>
-          </a:p>
-        </p:txBody>
-      </p:sp>
-      <p:sp>
-        <p:nvSpPr>
-          <p:cNvPr id="6" name="Rectangle 5"/>
-          <p:cNvSpPr/>
-          <p:nvPr/>
-        </p:nvSpPr>
-        <p:spPr>
-          <a:xfrm>
-            <a:off x="609600" y="1888073"/>
-            <a:ext cx="10972800" cy="2400657"/>
-          </a:xfrm>
-          <a:prstGeom prst="rect">
-            <a:avLst/>
-          </a:prstGeom>
-        </p:spPr>
-        <p:txBody>
-          <a:bodyPr wrap="square">
-            <a:spAutoFit/>
-          </a:bodyPr>
+            <a:endParaRPr lang="en-US"/>
+          </a:p>
+        </p:txBody>
+      </p:sp>
+      <p:sp>
+        <p:nvSpPr>
+          <p:cNvPr id="4" name="Content Placeholder 3"/>
+          <p:cNvSpPr>
+            <a:spLocks noGrp="1"/>
+          </p:cNvSpPr>
+          <p:nvPr>
+            <p:ph sz="half" idx="1"/>
+          </p:nvPr>
+        </p:nvSpPr>
+        <p:spPr/>
+        <p:txBody>
+          <a:bodyPr/>
           <a:lstStyle/>
           <a:p>
-            <a:pPr marL="342900" indent="-342900">
-              <a:buFont typeface="Arial" panose="020B0604020202020204" pitchFamily="34" charset="0"/>
-              <a:buChar char="•"/>
-            </a:pPr>
-            <a:r>
-              <a:rPr lang="en-US" sz="2500" dirty="0" smtClean="0"/>
-              <a:t>Weather Station</a:t>
-            </a:r>
-          </a:p>
-          <a:p>
-            <a:pPr marL="342900" indent="-342900">
-              <a:buFont typeface="Arial" panose="020B0604020202020204" pitchFamily="34" charset="0"/>
-              <a:buChar char="•"/>
-            </a:pPr>
-            <a:r>
-              <a:rPr lang="en-US" sz="2500" dirty="0" smtClean="0"/>
-              <a:t>Barcode</a:t>
-            </a:r>
-          </a:p>
-          <a:p>
-            <a:pPr marL="342900" indent="-342900">
-              <a:buFont typeface="Arial" panose="020B0604020202020204" pitchFamily="34" charset="0"/>
-              <a:buChar char="•"/>
-            </a:pPr>
-            <a:r>
-              <a:rPr lang="en-US" sz="2500" dirty="0" smtClean="0"/>
-              <a:t>RFID vs. Barcode</a:t>
-            </a:r>
-          </a:p>
-          <a:p>
-            <a:pPr marL="342900" indent="-342900">
-              <a:buFont typeface="Arial" panose="020B0604020202020204" pitchFamily="34" charset="0"/>
-              <a:buChar char="•"/>
-            </a:pPr>
-            <a:r>
-              <a:rPr lang="en-US" sz="2500" dirty="0" smtClean="0"/>
-              <a:t>Preventive Maintenance</a:t>
-            </a:r>
-          </a:p>
-          <a:p>
-            <a:pPr marL="342900" indent="-342900">
-              <a:buFont typeface="Arial" panose="020B0604020202020204" pitchFamily="34" charset="0"/>
-              <a:buChar char="•"/>
-            </a:pPr>
-            <a:r>
-              <a:rPr lang="en-US" sz="2500" dirty="0" smtClean="0"/>
-              <a:t>Asset Management</a:t>
-            </a:r>
-          </a:p>
-          <a:p>
-            <a:pPr marL="342900" indent="-342900">
-              <a:buFont typeface="Arial" panose="020B0604020202020204" pitchFamily="34" charset="0"/>
-              <a:buChar char="•"/>
-            </a:pPr>
-            <a:endParaRPr lang="en-US" sz="2500" dirty="0" smtClean="0"/>
+            <a:r>
+              <a:rPr lang="en-PH" dirty="0" err="1" smtClean="0"/>
+              <a:t>Pomodoro</a:t>
+            </a:r>
+            <a:r>
+              <a:rPr lang="en-PH" dirty="0" smtClean="0"/>
+              <a:t> Method or Algorithm</a:t>
+            </a:r>
+          </a:p>
+          <a:p>
+            <a:pPr lvl="1"/>
+            <a:r>
+              <a:rPr lang="en-PH" dirty="0"/>
+              <a:t>Remove all distractions (email, phone, unnecessary browser tabs, manage colleague interruptions).</a:t>
+            </a:r>
+          </a:p>
+          <a:p>
+            <a:pPr lvl="1"/>
+            <a:r>
+              <a:rPr lang="en-PH" dirty="0"/>
+              <a:t>Choose a focus task.</a:t>
+            </a:r>
+          </a:p>
+          <a:p>
+            <a:pPr lvl="1"/>
+            <a:r>
+              <a:rPr lang="en-PH" dirty="0"/>
+              <a:t>Set the timer to 25 minutes.</a:t>
+            </a:r>
+          </a:p>
+          <a:p>
+            <a:pPr lvl="1"/>
+            <a:r>
+              <a:rPr lang="en-PH" dirty="0"/>
+              <a:t>Work on the task until the timer rings.</a:t>
+            </a:r>
+          </a:p>
+          <a:p>
+            <a:pPr lvl="1"/>
+            <a:r>
+              <a:rPr lang="en-PH" dirty="0"/>
+              <a:t>Take a 5 minute break.</a:t>
+            </a:r>
+          </a:p>
+          <a:p>
+            <a:pPr lvl="1"/>
+            <a:r>
+              <a:rPr lang="en-PH" dirty="0"/>
+              <a:t>Every 4 sessions take a longer break, perhaps 15 or 20 minutes.</a:t>
+            </a:r>
+          </a:p>
+          <a:p>
+            <a:pPr lvl="2"/>
+            <a:endParaRPr lang="en-PH" dirty="0"/>
+          </a:p>
+        </p:txBody>
+      </p:sp>
+      <p:sp>
+        <p:nvSpPr>
+          <p:cNvPr id="5" name="Title 4"/>
+          <p:cNvSpPr>
+            <a:spLocks noGrp="1"/>
+          </p:cNvSpPr>
+          <p:nvPr>
+            <p:ph type="title"/>
+          </p:nvPr>
+        </p:nvSpPr>
+        <p:spPr/>
+        <p:txBody>
+          <a:bodyPr/>
+          <a:lstStyle/>
+          <a:p>
+            <a:r>
+              <a:rPr lang="en-PH" dirty="0" smtClean="0"/>
+              <a:t>Algorithm to implement		</a:t>
+            </a:r>
+            <a:endParaRPr lang="en-PH" dirty="0"/>
           </a:p>
         </p:txBody>
       </p:sp>
     </p:spTree>
     <p:extLst>
       <p:ext uri="{BB962C8B-B14F-4D97-AF65-F5344CB8AC3E}">
-        <p14:creationId xmlns:p14="http://schemas.microsoft.com/office/powerpoint/2010/main" val="656155683"/>
+        <p14:creationId xmlns:p14="http://schemas.microsoft.com/office/powerpoint/2010/main" val="3284675816"/>
       </p:ext>
     </p:extLst>
   </p:cSld>
   <p:clrMapOvr>
     <a:masterClrMapping/>
   </p:clrMapOvr>
-  <mc:AlternateContent xmlns:mc="http://schemas.openxmlformats.org/markup-compatibility/2006" xmlns:p14="http://schemas.microsoft.com/office/powerpoint/2010/main">
-    <mc:Choice Requires="p14">
+  <mc:AlternateContent xmlns:mc="http://schemas.openxmlformats.org/markup-compatibility/2006">
+    <mc:Choice xmlns:p14="http://schemas.microsoft.com/office/powerpoint/2010/main" Requires="p14">
       <p:transition spd="med" p14:dur="700">
         <p:fade/>
       </p:transition>
     </mc:Choice>
-    <mc:Fallback xmlns="">
+    <mc:Fallback>
       <p:transition spd="med">
         <p:fade/>
       </p:transition>
@@ -6612,12 +5521,12 @@
       </p:grpSpPr>
       <p:sp>
         <p:nvSpPr>
-          <p:cNvPr id="2" name="Footer Placeholder 1"/>
-          <p:cNvSpPr>
-            <a:spLocks noGrp="1"/>
-          </p:cNvSpPr>
-          <p:nvPr>
-            <p:ph type="ftr" sz="quarter" idx="11"/>
+          <p:cNvPr id="5" name="Title 4"/>
+          <p:cNvSpPr>
+            <a:spLocks noGrp="1"/>
+          </p:cNvSpPr>
+          <p:nvPr>
+            <p:ph type="title"/>
           </p:nvPr>
         </p:nvSpPr>
         <p:spPr/>
@@ -6625,104 +5534,129 @@
           <a:bodyPr/>
           <a:lstStyle/>
           <a:p>
-            <a:endParaRPr lang="en-US"/>
-          </a:p>
-        </p:txBody>
-      </p:sp>
-      <p:sp>
-        <p:nvSpPr>
-          <p:cNvPr id="4" name="Content Placeholder 3"/>
-          <p:cNvSpPr>
-            <a:spLocks noGrp="1"/>
-          </p:cNvSpPr>
-          <p:nvPr>
-            <p:ph sz="half" idx="1"/>
-          </p:nvPr>
+            <a:r>
+              <a:rPr lang="en-US" dirty="0" smtClean="0"/>
+              <a:t>Review of Related Literature</a:t>
+            </a:r>
+            <a:endParaRPr lang="en-US" dirty="0"/>
+          </a:p>
+        </p:txBody>
+      </p:sp>
+      <p:sp>
+        <p:nvSpPr>
+          <p:cNvPr id="6" name="Rectangle 5"/>
+          <p:cNvSpPr/>
+          <p:nvPr/>
         </p:nvSpPr>
         <p:spPr>
           <a:xfrm>
-            <a:off x="609600" y="2249425"/>
-            <a:ext cx="11277600" cy="3998975"/>
+            <a:off x="609600" y="1888073"/>
+            <a:ext cx="10972800" cy="2785378"/>
           </a:xfrm>
+          <a:prstGeom prst="rect">
+            <a:avLst/>
+          </a:prstGeom>
         </p:spPr>
         <p:txBody>
-          <a:bodyPr>
-            <a:normAutofit/>
+          <a:bodyPr wrap="square">
+            <a:spAutoFit/>
           </a:bodyPr>
           <a:lstStyle/>
           <a:p>
-            <a:r>
-              <a:rPr lang="en-PH" sz="3200" dirty="0" smtClean="0"/>
-              <a:t>Unified data base for files</a:t>
-            </a:r>
-          </a:p>
-          <a:p>
-            <a:r>
-              <a:rPr lang="en-PH" sz="3200" dirty="0" smtClean="0"/>
-              <a:t>Job assignment and management</a:t>
-            </a:r>
-          </a:p>
-          <a:p>
-            <a:r>
-              <a:rPr lang="en-PH" sz="3200" dirty="0" smtClean="0"/>
-              <a:t>Scheduling via calendar</a:t>
-            </a:r>
-          </a:p>
-          <a:p>
-            <a:r>
-              <a:rPr lang="en-PH" sz="3200" dirty="0" smtClean="0"/>
-              <a:t>Notification and Instant Messaging</a:t>
-            </a:r>
-          </a:p>
-          <a:p>
-            <a:r>
-              <a:rPr lang="en-PH" sz="3200" dirty="0" smtClean="0"/>
-              <a:t>Admin upgrade in user management</a:t>
-            </a:r>
-            <a:endParaRPr lang="en-PH" sz="3200" dirty="0"/>
-          </a:p>
-        </p:txBody>
-      </p:sp>
-      <p:sp>
-        <p:nvSpPr>
-          <p:cNvPr id="5" name="Title 4"/>
-          <p:cNvSpPr>
-            <a:spLocks noGrp="1"/>
-          </p:cNvSpPr>
-          <p:nvPr>
-            <p:ph type="title"/>
-          </p:nvPr>
-        </p:nvSpPr>
-        <p:spPr/>
-        <p:txBody>
-          <a:bodyPr/>
-          <a:lstStyle/>
-          <a:p>
-            <a:r>
-              <a:rPr lang="en-PH" dirty="0" smtClean="0"/>
-              <a:t>What else to implement</a:t>
-            </a:r>
-            <a:endParaRPr lang="en-PH" dirty="0"/>
+            <a:pPr marL="342900" indent="-342900">
+              <a:buFont typeface="Arial" panose="020B0604020202020204" pitchFamily="34" charset="0"/>
+              <a:buChar char="•"/>
+            </a:pPr>
+            <a:r>
+              <a:rPr lang="en-US" sz="2500" dirty="0" smtClean="0"/>
+              <a:t>Weather Station</a:t>
+            </a:r>
+          </a:p>
+          <a:p>
+            <a:pPr marL="342900" indent="-342900">
+              <a:buFont typeface="Arial" panose="020B0604020202020204" pitchFamily="34" charset="0"/>
+              <a:buChar char="•"/>
+            </a:pPr>
+            <a:r>
+              <a:rPr lang="en-US" sz="2500" dirty="0" smtClean="0"/>
+              <a:t>Barcode</a:t>
+            </a:r>
+          </a:p>
+          <a:p>
+            <a:pPr marL="342900" indent="-342900">
+              <a:buFont typeface="Arial" panose="020B0604020202020204" pitchFamily="34" charset="0"/>
+              <a:buChar char="•"/>
+            </a:pPr>
+            <a:r>
+              <a:rPr lang="en-US" sz="2500" dirty="0" smtClean="0"/>
+              <a:t>RFID vs. Barcode</a:t>
+            </a:r>
+          </a:p>
+          <a:p>
+            <a:pPr marL="342900" indent="-342900">
+              <a:buFont typeface="Arial" panose="020B0604020202020204" pitchFamily="34" charset="0"/>
+              <a:buChar char="•"/>
+            </a:pPr>
+            <a:r>
+              <a:rPr lang="en-US" sz="2500" dirty="0" smtClean="0"/>
+              <a:t>Preventive Maintenance</a:t>
+            </a:r>
+          </a:p>
+          <a:p>
+            <a:pPr marL="342900" indent="-342900">
+              <a:buFont typeface="Arial" panose="020B0604020202020204" pitchFamily="34" charset="0"/>
+              <a:buChar char="•"/>
+            </a:pPr>
+            <a:r>
+              <a:rPr lang="en-US" sz="2500" dirty="0" smtClean="0"/>
+              <a:t>Asset </a:t>
+            </a:r>
+            <a:r>
+              <a:rPr lang="en-US" sz="2500" dirty="0" smtClean="0"/>
+              <a:t>Management</a:t>
+            </a:r>
+          </a:p>
+          <a:p>
+            <a:pPr marL="342900" indent="-342900">
+              <a:buFont typeface="Arial" panose="020B0604020202020204" pitchFamily="34" charset="0"/>
+              <a:buChar char="•"/>
+            </a:pPr>
+            <a:r>
+              <a:rPr lang="en-US" sz="2500" dirty="0" err="1" smtClean="0"/>
+              <a:t>Pomodoro</a:t>
+            </a:r>
+            <a:r>
+              <a:rPr lang="en-US" sz="2500" dirty="0" smtClean="0"/>
+              <a:t> Technique</a:t>
+            </a:r>
+            <a:endParaRPr lang="en-US" sz="2500" dirty="0" smtClean="0"/>
+          </a:p>
+          <a:p>
+            <a:pPr marL="342900" indent="-342900">
+              <a:buFont typeface="Arial" panose="020B0604020202020204" pitchFamily="34" charset="0"/>
+              <a:buChar char="•"/>
+            </a:pPr>
+            <a:endParaRPr lang="en-US" sz="2500" dirty="0" smtClean="0"/>
           </a:p>
         </p:txBody>
       </p:sp>
     </p:spTree>
     <p:extLst>
       <p:ext uri="{BB962C8B-B14F-4D97-AF65-F5344CB8AC3E}">
-        <p14:creationId xmlns:p14="http://schemas.microsoft.com/office/powerpoint/2010/main" val="2008975424"/>
+        <p14:creationId xmlns:p14="http://schemas.microsoft.com/office/powerpoint/2010/main" val="656155683"/>
       </p:ext>
     </p:extLst>
   </p:cSld>
   <p:clrMapOvr>
     <a:masterClrMapping/>
   </p:clrMapOvr>
-  <mc:AlternateContent xmlns:mc="http://schemas.openxmlformats.org/markup-compatibility/2006">
-    <mc:Choice xmlns:p14="http://schemas.microsoft.com/office/powerpoint/2010/main" Requires="p14">
+  <mc:AlternateContent xmlns:mc="http://schemas.openxmlformats.org/markup-compatibility/2006" xmlns:p14="http://schemas.microsoft.com/office/powerpoint/2010/main">
+    <mc:Choice Requires="p14">
       <p:transition spd="med" p14:dur="700">
         <p:fade/>
       </p:transition>
     </mc:Choice>
-    <mc:Fallback>
+    <mc:Fallback xmlns="">
       <p:transition spd="med">
         <p:fade/>
       </p:transition>
